--- a/src/machinelearning/Cloudisian - Data Cloud Topics.pptx
+++ b/src/machinelearning/Cloudisian - Data Cloud Topics.pptx
@@ -2981,6 +2981,31 @@
           </a:p>
         </p:txBody>
       </p:sp>
+      <p:pic>
+        <p:nvPicPr>
+          <p:cNvPr id="5" name="Picture 4" descr="Cloudisian-logo"/>
+          <p:cNvPicPr>
+            <a:picLocks noChangeAspect="1"/>
+          </p:cNvPicPr>
+          <p:nvPr/>
+        </p:nvPicPr>
+        <p:blipFill>
+          <a:blip r:embed="rId1"/>
+          <a:srcRect l="1854"/>
+          <a:stretch>
+            <a:fillRect/>
+          </a:stretch>
+        </p:blipFill>
+        <p:spPr>
+          <a:xfrm>
+            <a:off x="9771380" y="0"/>
+            <a:ext cx="2420620" cy="975360"/>
+          </a:xfrm>
+          <a:prstGeom prst="rect">
+            <a:avLst/>
+          </a:prstGeom>
+        </p:spPr>
+      </p:pic>
     </p:spTree>
   </p:cSld>
   <p:clrMapOvr>
@@ -3115,8 +3140,33 @@
         </p:blipFill>
         <p:spPr>
           <a:xfrm>
-            <a:off x="7326630" y="664845"/>
+            <a:off x="7326630" y="931545"/>
             <a:ext cx="4573905" cy="5528310"/>
+          </a:xfrm>
+          <a:prstGeom prst="rect">
+            <a:avLst/>
+          </a:prstGeom>
+        </p:spPr>
+      </p:pic>
+      <p:pic>
+        <p:nvPicPr>
+          <p:cNvPr id="7" name="Picture 6" descr="Cloudisian-logo"/>
+          <p:cNvPicPr>
+            <a:picLocks noChangeAspect="1"/>
+          </p:cNvPicPr>
+          <p:nvPr/>
+        </p:nvPicPr>
+        <p:blipFill>
+          <a:blip r:embed="rId2"/>
+          <a:srcRect l="1854"/>
+          <a:stretch>
+            <a:fillRect/>
+          </a:stretch>
+        </p:blipFill>
+        <p:spPr>
+          <a:xfrm>
+            <a:off x="9771380" y="0"/>
+            <a:ext cx="2420620" cy="975360"/>
           </a:xfrm>
           <a:prstGeom prst="rect">
             <a:avLst/>
@@ -3424,6 +3474,31 @@
           </a:p>
         </p:txBody>
       </p:sp>
+      <p:pic>
+        <p:nvPicPr>
+          <p:cNvPr id="4" name="Picture 3" descr="Cloudisian-logo"/>
+          <p:cNvPicPr>
+            <a:picLocks noChangeAspect="1"/>
+          </p:cNvPicPr>
+          <p:nvPr/>
+        </p:nvPicPr>
+        <p:blipFill>
+          <a:blip r:embed="rId1"/>
+          <a:srcRect l="1854"/>
+          <a:stretch>
+            <a:fillRect/>
+          </a:stretch>
+        </p:blipFill>
+        <p:spPr>
+          <a:xfrm>
+            <a:off x="9771380" y="0"/>
+            <a:ext cx="2420620" cy="975360"/>
+          </a:xfrm>
+          <a:prstGeom prst="rect">
+            <a:avLst/>
+          </a:prstGeom>
+        </p:spPr>
+      </p:pic>
     </p:spTree>
   </p:cSld>
   <p:clrMapOvr>
@@ -3517,6 +3592,30 @@
           </a:p>
         </p:txBody>
       </p:sp>
+      <p:pic>
+        <p:nvPicPr>
+          <p:cNvPr id="4" name="Picture 3" descr="Cloudisian-logo"/>
+          <p:cNvPicPr>
+            <a:picLocks noChangeAspect="1"/>
+          </p:cNvPicPr>
+          <p:nvPr/>
+        </p:nvPicPr>
+        <p:blipFill>
+          <a:blip r:embed="rId1"/>
+          <a:stretch>
+            <a:fillRect/>
+          </a:stretch>
+        </p:blipFill>
+        <p:spPr>
+          <a:xfrm>
+            <a:off x="9725660" y="0"/>
+            <a:ext cx="2466340" cy="975360"/>
+          </a:xfrm>
+          <a:prstGeom prst="rect">
+            <a:avLst/>
+          </a:prstGeom>
+        </p:spPr>
+      </p:pic>
     </p:spTree>
   </p:cSld>
   <p:clrMapOvr>
@@ -3537,6 +3636,121 @@
       <p:grpSpPr/>
       <p:sp>
         <p:nvSpPr>
+          <p:cNvPr id="3" name="Content Placeholder 2"/>
+          <p:cNvSpPr>
+            <a:spLocks noGrp="1"/>
+          </p:cNvSpPr>
+          <p:nvPr>
+            <p:ph idx="1"/>
+          </p:nvPr>
+        </p:nvSpPr>
+        <p:spPr/>
+        <p:txBody>
+          <a:bodyPr>
+            <a:normAutofit fontScale="80000"/>
+          </a:bodyPr>
+          <a:p>
+            <a:r>
+              <a:rPr lang="en-US" altLang="en-US" b="1">
+                <a:latin typeface="Verdana Bold" panose="020B0604030504040204" charset="0"/>
+                <a:cs typeface="Verdana Bold" panose="020B0604030504040204" charset="0"/>
+              </a:rPr>
+              <a:t>What is it?</a:t>
+            </a:r>
+            <a:r>
+              <a:rPr lang="en-US" altLang="en-US">
+                <a:latin typeface="Verdana Regular" panose="020B0604030504040204" charset="0"/>
+                <a:cs typeface="Verdana Regular" panose="020B0604030504040204" charset="0"/>
+              </a:rPr>
+              <a:t>: A search component in Retrieval Augmented Generation (RAG) that fetches relevant data from a knowledge store.</a:t>
+            </a:r>
+            <a:endParaRPr lang="en-US" altLang="en-US">
+              <a:latin typeface="Verdana Regular" panose="020B0604030504040204" charset="0"/>
+              <a:cs typeface="Verdana Regular" panose="020B0604030504040204" charset="0"/>
+            </a:endParaRPr>
+          </a:p>
+          <a:p>
+            <a:endParaRPr lang="en-US" altLang="en-US">
+              <a:latin typeface="Verdana Regular" panose="020B0604030504040204" charset="0"/>
+              <a:cs typeface="Verdana Regular" panose="020B0604030504040204" charset="0"/>
+            </a:endParaRPr>
+          </a:p>
+          <a:p>
+            <a:r>
+              <a:rPr lang="en-US" altLang="en-US" b="1">
+                <a:latin typeface="Verdana Bold" panose="020B0604030504040204" charset="0"/>
+                <a:cs typeface="Verdana Bold" panose="020B0604030504040204" charset="0"/>
+              </a:rPr>
+              <a:t>How it works:</a:t>
+            </a:r>
+            <a:r>
+              <a:rPr lang="en-US" altLang="en-US">
+                <a:latin typeface="Verdana Regular" panose="020B0604030504040204" charset="0"/>
+                <a:cs typeface="Verdana Regular" panose="020B0604030504040204" charset="0"/>
+              </a:rPr>
+              <a:t> Searches indexed data (e.g., articles, customer records) and adds context to LLM prompts for accurate responses.</a:t>
+            </a:r>
+            <a:endParaRPr lang="en-US" altLang="en-US">
+              <a:latin typeface="Verdana Regular" panose="020B0604030504040204" charset="0"/>
+              <a:cs typeface="Verdana Regular" panose="020B0604030504040204" charset="0"/>
+            </a:endParaRPr>
+          </a:p>
+          <a:p>
+            <a:endParaRPr lang="en-US" altLang="en-US">
+              <a:latin typeface="Verdana Regular" panose="020B0604030504040204" charset="0"/>
+              <a:cs typeface="Verdana Regular" panose="020B0604030504040204" charset="0"/>
+            </a:endParaRPr>
+          </a:p>
+          <a:p>
+            <a:r>
+              <a:rPr lang="en-US" altLang="en-US" b="1">
+                <a:latin typeface="Verdana Bold" panose="020B0604030504040204" charset="0"/>
+                <a:cs typeface="Verdana Bold" panose="020B0604030504040204" charset="0"/>
+              </a:rPr>
+              <a:t>Key Features</a:t>
+            </a:r>
+            <a:r>
+              <a:rPr lang="en-US" altLang="en-US">
+                <a:latin typeface="Verdana Regular" panose="020B0604030504040204" charset="0"/>
+                <a:cs typeface="Verdana Regular" panose="020B0604030504040204" charset="0"/>
+              </a:rPr>
+              <a:t>: Supports vector/hybrid search, customizable in Einstein Studio, embedded in Prompt Builder.</a:t>
+            </a:r>
+            <a:endParaRPr lang="en-US" altLang="en-US">
+              <a:latin typeface="Verdana Regular" panose="020B0604030504040204" charset="0"/>
+              <a:cs typeface="Verdana Regular" panose="020B0604030504040204" charset="0"/>
+            </a:endParaRPr>
+          </a:p>
+          <a:p>
+            <a:endParaRPr lang="en-US" altLang="en-US">
+              <a:latin typeface="Verdana Regular" panose="020B0604030504040204" charset="0"/>
+              <a:cs typeface="Verdana Regular" panose="020B0604030504040204" charset="0"/>
+            </a:endParaRPr>
+          </a:p>
+          <a:p>
+            <a:r>
+              <a:rPr lang="en-US" altLang="en-US" b="1">
+                <a:latin typeface="Verdana Bold" panose="020B0604030504040204" charset="0"/>
+                <a:cs typeface="Verdana Bold" panose="020B0604030504040204" charset="0"/>
+              </a:rPr>
+              <a:t>Use Case</a:t>
+            </a:r>
+            <a:r>
+              <a:rPr lang="en-US" altLang="en-US">
+                <a:latin typeface="Verdana Regular" panose="020B0604030504040204" charset="0"/>
+                <a:cs typeface="Verdana Regular" panose="020B0604030504040204" charset="0"/>
+              </a:rPr>
+              <a:t>: Powers Agentforce to deliver precise answers from sources like emails or Salesforce records.</a:t>
+            </a:r>
+            <a:endParaRPr lang="en-US" altLang="en-US">
+              <a:latin typeface="Verdana Regular" panose="020B0604030504040204" charset="0"/>
+              <a:cs typeface="Verdana Regular" panose="020B0604030504040204" charset="0"/>
+            </a:endParaRPr>
+          </a:p>
+        </p:txBody>
+      </p:sp>
+      <p:sp>
+        <p:nvSpPr>
           <p:cNvPr id="2" name="Title 1"/>
           <p:cNvSpPr>
             <a:spLocks noGrp="1"/>
@@ -3545,7 +3759,12 @@
             <p:ph type="title"/>
           </p:nvPr>
         </p:nvSpPr>
-        <p:spPr/>
+        <p:spPr>
+          <a:xfrm>
+            <a:off x="838200" y="671830"/>
+            <a:ext cx="10515600" cy="1325563"/>
+          </a:xfrm>
+        </p:spPr>
         <p:txBody>
           <a:bodyPr/>
           <a:p>
@@ -3563,121 +3782,31 @@
           </a:p>
         </p:txBody>
       </p:sp>
-      <p:sp>
-        <p:nvSpPr>
-          <p:cNvPr id="3" name="Content Placeholder 2"/>
-          <p:cNvSpPr>
-            <a:spLocks noGrp="1"/>
-          </p:cNvSpPr>
-          <p:nvPr>
-            <p:ph idx="1"/>
-          </p:nvPr>
-        </p:nvSpPr>
-        <p:spPr/>
-        <p:txBody>
-          <a:bodyPr>
-            <a:normAutofit fontScale="80000"/>
-          </a:bodyPr>
-          <a:p>
-            <a:r>
-              <a:rPr lang="en-US" altLang="en-US" b="1">
-                <a:latin typeface="Verdana Bold" panose="020B0604030504040204" charset="0"/>
-                <a:cs typeface="Verdana Bold" panose="020B0604030504040204" charset="0"/>
-              </a:rPr>
-              <a:t>What is it?</a:t>
-            </a:r>
-            <a:r>
-              <a:rPr lang="en-US" altLang="en-US">
-                <a:latin typeface="Verdana Regular" panose="020B0604030504040204" charset="0"/>
-                <a:cs typeface="Verdana Regular" panose="020B0604030504040204" charset="0"/>
-              </a:rPr>
-              <a:t>: A search component in Retrieval Augmented Generation (RAG) that fetches relevant data from a knowledge store.</a:t>
-            </a:r>
-            <a:endParaRPr lang="en-US" altLang="en-US">
-              <a:latin typeface="Verdana Regular" panose="020B0604030504040204" charset="0"/>
-              <a:cs typeface="Verdana Regular" panose="020B0604030504040204" charset="0"/>
-            </a:endParaRPr>
-          </a:p>
-          <a:p>
-            <a:endParaRPr lang="en-US" altLang="en-US">
-              <a:latin typeface="Verdana Regular" panose="020B0604030504040204" charset="0"/>
-              <a:cs typeface="Verdana Regular" panose="020B0604030504040204" charset="0"/>
-            </a:endParaRPr>
-          </a:p>
-          <a:p>
-            <a:r>
-              <a:rPr lang="en-US" altLang="en-US" b="1">
-                <a:latin typeface="Verdana Bold" panose="020B0604030504040204" charset="0"/>
-                <a:cs typeface="Verdana Bold" panose="020B0604030504040204" charset="0"/>
-              </a:rPr>
-              <a:t>How it works:</a:t>
-            </a:r>
-            <a:r>
-              <a:rPr lang="en-US" altLang="en-US">
-                <a:latin typeface="Verdana Regular" panose="020B0604030504040204" charset="0"/>
-                <a:cs typeface="Verdana Regular" panose="020B0604030504040204" charset="0"/>
-              </a:rPr>
-              <a:t> Searches indexed data (e.g., articles, customer records) and adds context to LLM prompts for accurate responses.</a:t>
-            </a:r>
-            <a:endParaRPr lang="en-US" altLang="en-US">
-              <a:latin typeface="Verdana Regular" panose="020B0604030504040204" charset="0"/>
-              <a:cs typeface="Verdana Regular" panose="020B0604030504040204" charset="0"/>
-            </a:endParaRPr>
-          </a:p>
-          <a:p>
-            <a:endParaRPr lang="en-US" altLang="en-US">
-              <a:latin typeface="Verdana Regular" panose="020B0604030504040204" charset="0"/>
-              <a:cs typeface="Verdana Regular" panose="020B0604030504040204" charset="0"/>
-            </a:endParaRPr>
-          </a:p>
-          <a:p>
-            <a:r>
-              <a:rPr lang="en-US" altLang="en-US" b="1">
-                <a:latin typeface="Verdana Bold" panose="020B0604030504040204" charset="0"/>
-                <a:cs typeface="Verdana Bold" panose="020B0604030504040204" charset="0"/>
-              </a:rPr>
-              <a:t>Key Features</a:t>
-            </a:r>
-            <a:r>
-              <a:rPr lang="en-US" altLang="en-US">
-                <a:latin typeface="Verdana Regular" panose="020B0604030504040204" charset="0"/>
-                <a:cs typeface="Verdana Regular" panose="020B0604030504040204" charset="0"/>
-              </a:rPr>
-              <a:t>: Supports vector/hybrid search, customizable in Einstein Studio, embedded in Prompt Builder.</a:t>
-            </a:r>
-            <a:endParaRPr lang="en-US" altLang="en-US">
-              <a:latin typeface="Verdana Regular" panose="020B0604030504040204" charset="0"/>
-              <a:cs typeface="Verdana Regular" panose="020B0604030504040204" charset="0"/>
-            </a:endParaRPr>
-          </a:p>
-          <a:p>
-            <a:endParaRPr lang="en-US" altLang="en-US">
-              <a:latin typeface="Verdana Regular" panose="020B0604030504040204" charset="0"/>
-              <a:cs typeface="Verdana Regular" panose="020B0604030504040204" charset="0"/>
-            </a:endParaRPr>
-          </a:p>
-          <a:p>
-            <a:r>
-              <a:rPr lang="en-US" altLang="en-US" b="1">
-                <a:latin typeface="Verdana Bold" panose="020B0604030504040204" charset="0"/>
-                <a:cs typeface="Verdana Bold" panose="020B0604030504040204" charset="0"/>
-              </a:rPr>
-              <a:t>Use Case</a:t>
-            </a:r>
-            <a:r>
-              <a:rPr lang="en-US" altLang="en-US">
-                <a:latin typeface="Verdana Regular" panose="020B0604030504040204" charset="0"/>
-                <a:cs typeface="Verdana Regular" panose="020B0604030504040204" charset="0"/>
-              </a:rPr>
-              <a:t>: Powers Agentforce to deliver precise answers from sources like emails or Salesforce records.</a:t>
-            </a:r>
-            <a:endParaRPr lang="en-US" altLang="en-US">
-              <a:latin typeface="Verdana Regular" panose="020B0604030504040204" charset="0"/>
-              <a:cs typeface="Verdana Regular" panose="020B0604030504040204" charset="0"/>
-            </a:endParaRPr>
-          </a:p>
-        </p:txBody>
-      </p:sp>
+      <p:pic>
+        <p:nvPicPr>
+          <p:cNvPr id="5" name="Picture 4" descr="Cloudisian-logo"/>
+          <p:cNvPicPr>
+            <a:picLocks noChangeAspect="1"/>
+          </p:cNvPicPr>
+          <p:nvPr/>
+        </p:nvPicPr>
+        <p:blipFill>
+          <a:blip r:embed="rId1"/>
+          <a:srcRect l="1854"/>
+          <a:stretch>
+            <a:fillRect/>
+          </a:stretch>
+        </p:blipFill>
+        <p:spPr>
+          <a:xfrm>
+            <a:off x="9771380" y="0"/>
+            <a:ext cx="2420620" cy="975360"/>
+          </a:xfrm>
+          <a:prstGeom prst="rect">
+            <a:avLst/>
+          </a:prstGeom>
+        </p:spPr>
+      </p:pic>
     </p:spTree>
   </p:cSld>
   <p:clrMapOvr>
